--- a/ppt 16-9/0994.耶稣不改变.pptx
+++ b/ppt 16-9/0994.耶稣不改变.pptx
@@ -129,7 +129,7 @@
           <p:cNvPr id="2" name="标题 1">
             <a:extLst>
               <a:ext uri="{FF2B5EF4-FFF2-40B4-BE49-F238E27FC236}">
-                <a16:creationId xmlns:a16="http://schemas.microsoft.com/office/drawing/2014/main" id="{240C7FDD-D8D4-C653-F3EE-BCDC7AE5082A}"/>
+                <a16:creationId xmlns:a16="http://schemas.microsoft.com/office/drawing/2014/main" id="{B8B1E0F8-025A-583A-615D-176F458FB89B}"/>
               </a:ext>
             </a:extLst>
           </p:cNvPr>
@@ -166,7 +166,7 @@
           <p:cNvPr id="3" name="副标题 2">
             <a:extLst>
               <a:ext uri="{FF2B5EF4-FFF2-40B4-BE49-F238E27FC236}">
-                <a16:creationId xmlns:a16="http://schemas.microsoft.com/office/drawing/2014/main" id="{54E0448C-A0B6-5830-896A-EFCB975750B1}"/>
+                <a16:creationId xmlns:a16="http://schemas.microsoft.com/office/drawing/2014/main" id="{9BFE9733-1587-5321-5D87-3F55A0E029C5}"/>
               </a:ext>
             </a:extLst>
           </p:cNvPr>
@@ -236,7 +236,7 @@
           <p:cNvPr id="4" name="日期占位符 3">
             <a:extLst>
               <a:ext uri="{FF2B5EF4-FFF2-40B4-BE49-F238E27FC236}">
-                <a16:creationId xmlns:a16="http://schemas.microsoft.com/office/drawing/2014/main" id="{2A9AD71F-E6FA-DFA1-FB7C-3E1A06401264}"/>
+                <a16:creationId xmlns:a16="http://schemas.microsoft.com/office/drawing/2014/main" id="{5B756277-ABBD-C42D-2F3C-28B15ABD0206}"/>
               </a:ext>
             </a:extLst>
           </p:cNvPr>
@@ -252,7 +252,7 @@
           <a:bodyPr/>
           <a:lstStyle/>
           <a:p>
-            <a:fld id="{668490AF-3108-467D-9584-002D5DF2C6E3}" type="datetimeFigureOut">
+            <a:fld id="{10909343-B97C-4C00-8C06-CB25D133E7C4}" type="datetimeFigureOut">
               <a:rPr lang="zh-CN" altLang="en-US" smtClean="0"/>
               <a:t>2024/3/10</a:t>
             </a:fld>
@@ -265,7 +265,7 @@
           <p:cNvPr id="5" name="页脚占位符 4">
             <a:extLst>
               <a:ext uri="{FF2B5EF4-FFF2-40B4-BE49-F238E27FC236}">
-                <a16:creationId xmlns:a16="http://schemas.microsoft.com/office/drawing/2014/main" id="{F9678879-91D3-D72D-57B2-9920AB87B9E0}"/>
+                <a16:creationId xmlns:a16="http://schemas.microsoft.com/office/drawing/2014/main" id="{A5D257AA-EE87-3350-CE3B-5051EBDED8BF}"/>
               </a:ext>
             </a:extLst>
           </p:cNvPr>
@@ -290,7 +290,7 @@
           <p:cNvPr id="6" name="灯片编号占位符 5">
             <a:extLst>
               <a:ext uri="{FF2B5EF4-FFF2-40B4-BE49-F238E27FC236}">
-                <a16:creationId xmlns:a16="http://schemas.microsoft.com/office/drawing/2014/main" id="{789E0761-A83E-C5AF-5E59-EBB833232D28}"/>
+                <a16:creationId xmlns:a16="http://schemas.microsoft.com/office/drawing/2014/main" id="{3F8F7373-24F7-7116-6134-C80EAA166B9B}"/>
               </a:ext>
             </a:extLst>
           </p:cNvPr>
@@ -306,7 +306,7 @@
           <a:bodyPr/>
           <a:lstStyle/>
           <a:p>
-            <a:fld id="{891E4212-4E87-4B9B-8068-B6997E39F95B}" type="slidenum">
+            <a:fld id="{6EA1DA44-6463-4DBC-9DE4-9BE231C43013}" type="slidenum">
               <a:rPr lang="zh-CN" altLang="en-US" smtClean="0"/>
               <a:t>‹#›</a:t>
             </a:fld>
@@ -317,7 +317,7 @@
     </p:spTree>
     <p:extLst>
       <p:ext uri="{BB962C8B-B14F-4D97-AF65-F5344CB8AC3E}">
-        <p14:creationId xmlns:p14="http://schemas.microsoft.com/office/powerpoint/2010/main" val="1590175182"/>
+        <p14:creationId xmlns:p14="http://schemas.microsoft.com/office/powerpoint/2010/main" val="4045000062"/>
       </p:ext>
     </p:extLst>
   </p:cSld>
@@ -349,7 +349,7 @@
           <p:cNvPr id="2" name="标题 1">
             <a:extLst>
               <a:ext uri="{FF2B5EF4-FFF2-40B4-BE49-F238E27FC236}">
-                <a16:creationId xmlns:a16="http://schemas.microsoft.com/office/drawing/2014/main" id="{A6C853C6-0EE4-D442-EF26-296B457C1AFB}"/>
+                <a16:creationId xmlns:a16="http://schemas.microsoft.com/office/drawing/2014/main" id="{7E139C87-684E-2F82-1BE7-FF9F4A37B2A1}"/>
               </a:ext>
             </a:extLst>
           </p:cNvPr>
@@ -377,7 +377,7 @@
           <p:cNvPr id="3" name="竖排文字占位符 2">
             <a:extLst>
               <a:ext uri="{FF2B5EF4-FFF2-40B4-BE49-F238E27FC236}">
-                <a16:creationId xmlns:a16="http://schemas.microsoft.com/office/drawing/2014/main" id="{09E3A9C8-CB38-FC11-0BA9-F43B453DEA5B}"/>
+                <a16:creationId xmlns:a16="http://schemas.microsoft.com/office/drawing/2014/main" id="{E49CC64D-0E20-2438-BB12-B81105A87642}"/>
               </a:ext>
             </a:extLst>
           </p:cNvPr>
@@ -434,7 +434,7 @@
           <p:cNvPr id="4" name="日期占位符 3">
             <a:extLst>
               <a:ext uri="{FF2B5EF4-FFF2-40B4-BE49-F238E27FC236}">
-                <a16:creationId xmlns:a16="http://schemas.microsoft.com/office/drawing/2014/main" id="{BF21BB51-AE8A-CB9E-9A3C-3BCBCFC9B3D5}"/>
+                <a16:creationId xmlns:a16="http://schemas.microsoft.com/office/drawing/2014/main" id="{85885968-DB55-825C-F9B7-9FA660A8BD51}"/>
               </a:ext>
             </a:extLst>
           </p:cNvPr>
@@ -450,7 +450,7 @@
           <a:bodyPr/>
           <a:lstStyle/>
           <a:p>
-            <a:fld id="{668490AF-3108-467D-9584-002D5DF2C6E3}" type="datetimeFigureOut">
+            <a:fld id="{10909343-B97C-4C00-8C06-CB25D133E7C4}" type="datetimeFigureOut">
               <a:rPr lang="zh-CN" altLang="en-US" smtClean="0"/>
               <a:t>2024/3/10</a:t>
             </a:fld>
@@ -463,7 +463,7 @@
           <p:cNvPr id="5" name="页脚占位符 4">
             <a:extLst>
               <a:ext uri="{FF2B5EF4-FFF2-40B4-BE49-F238E27FC236}">
-                <a16:creationId xmlns:a16="http://schemas.microsoft.com/office/drawing/2014/main" id="{BAF43B7E-FB94-4F15-300A-8C52EFB7580F}"/>
+                <a16:creationId xmlns:a16="http://schemas.microsoft.com/office/drawing/2014/main" id="{8D5906C1-CA2B-59F4-A044-B09E654D3F50}"/>
               </a:ext>
             </a:extLst>
           </p:cNvPr>
@@ -488,7 +488,7 @@
           <p:cNvPr id="6" name="灯片编号占位符 5">
             <a:extLst>
               <a:ext uri="{FF2B5EF4-FFF2-40B4-BE49-F238E27FC236}">
-                <a16:creationId xmlns:a16="http://schemas.microsoft.com/office/drawing/2014/main" id="{900BEF8A-C2C4-3545-2F51-31E0B03BEDD3}"/>
+                <a16:creationId xmlns:a16="http://schemas.microsoft.com/office/drawing/2014/main" id="{F175C5AA-6E56-D2EF-0513-9CD46633D133}"/>
               </a:ext>
             </a:extLst>
           </p:cNvPr>
@@ -504,7 +504,7 @@
           <a:bodyPr/>
           <a:lstStyle/>
           <a:p>
-            <a:fld id="{891E4212-4E87-4B9B-8068-B6997E39F95B}" type="slidenum">
+            <a:fld id="{6EA1DA44-6463-4DBC-9DE4-9BE231C43013}" type="slidenum">
               <a:rPr lang="zh-CN" altLang="en-US" smtClean="0"/>
               <a:t>‹#›</a:t>
             </a:fld>
@@ -515,7 +515,7 @@
     </p:spTree>
     <p:extLst>
       <p:ext uri="{BB962C8B-B14F-4D97-AF65-F5344CB8AC3E}">
-        <p14:creationId xmlns:p14="http://schemas.microsoft.com/office/powerpoint/2010/main" val="2944512413"/>
+        <p14:creationId xmlns:p14="http://schemas.microsoft.com/office/powerpoint/2010/main" val="33926191"/>
       </p:ext>
     </p:extLst>
   </p:cSld>
@@ -547,7 +547,7 @@
           <p:cNvPr id="2" name="竖排标题 1">
             <a:extLst>
               <a:ext uri="{FF2B5EF4-FFF2-40B4-BE49-F238E27FC236}">
-                <a16:creationId xmlns:a16="http://schemas.microsoft.com/office/drawing/2014/main" id="{65FBAFB2-0794-E723-879D-862BE07C3CFC}"/>
+                <a16:creationId xmlns:a16="http://schemas.microsoft.com/office/drawing/2014/main" id="{309E9724-5731-2D3B-6FA0-780F5076294C}"/>
               </a:ext>
             </a:extLst>
           </p:cNvPr>
@@ -580,7 +580,7 @@
           <p:cNvPr id="3" name="竖排文字占位符 2">
             <a:extLst>
               <a:ext uri="{FF2B5EF4-FFF2-40B4-BE49-F238E27FC236}">
-                <a16:creationId xmlns:a16="http://schemas.microsoft.com/office/drawing/2014/main" id="{FD918055-B830-E815-BF7F-E1523BB46816}"/>
+                <a16:creationId xmlns:a16="http://schemas.microsoft.com/office/drawing/2014/main" id="{A96FE002-389A-FAF3-36B6-B8579E5D8ED4}"/>
               </a:ext>
             </a:extLst>
           </p:cNvPr>
@@ -642,7 +642,7 @@
           <p:cNvPr id="4" name="日期占位符 3">
             <a:extLst>
               <a:ext uri="{FF2B5EF4-FFF2-40B4-BE49-F238E27FC236}">
-                <a16:creationId xmlns:a16="http://schemas.microsoft.com/office/drawing/2014/main" id="{70CBEB7E-9FF1-1A10-DEA9-A747286E7B62}"/>
+                <a16:creationId xmlns:a16="http://schemas.microsoft.com/office/drawing/2014/main" id="{3C025AD2-0DAD-03D9-C702-DF98B87245A2}"/>
               </a:ext>
             </a:extLst>
           </p:cNvPr>
@@ -658,7 +658,7 @@
           <a:bodyPr/>
           <a:lstStyle/>
           <a:p>
-            <a:fld id="{668490AF-3108-467D-9584-002D5DF2C6E3}" type="datetimeFigureOut">
+            <a:fld id="{10909343-B97C-4C00-8C06-CB25D133E7C4}" type="datetimeFigureOut">
               <a:rPr lang="zh-CN" altLang="en-US" smtClean="0"/>
               <a:t>2024/3/10</a:t>
             </a:fld>
@@ -671,7 +671,7 @@
           <p:cNvPr id="5" name="页脚占位符 4">
             <a:extLst>
               <a:ext uri="{FF2B5EF4-FFF2-40B4-BE49-F238E27FC236}">
-                <a16:creationId xmlns:a16="http://schemas.microsoft.com/office/drawing/2014/main" id="{EAFA894E-47EC-B788-0E25-68996C938851}"/>
+                <a16:creationId xmlns:a16="http://schemas.microsoft.com/office/drawing/2014/main" id="{42B5048C-3116-ED1C-099B-7C079FD2DDA1}"/>
               </a:ext>
             </a:extLst>
           </p:cNvPr>
@@ -696,7 +696,7 @@
           <p:cNvPr id="6" name="灯片编号占位符 5">
             <a:extLst>
               <a:ext uri="{FF2B5EF4-FFF2-40B4-BE49-F238E27FC236}">
-                <a16:creationId xmlns:a16="http://schemas.microsoft.com/office/drawing/2014/main" id="{D4EC0009-F6D0-EBD8-3C3E-5B0F9C306ACA}"/>
+                <a16:creationId xmlns:a16="http://schemas.microsoft.com/office/drawing/2014/main" id="{EED75EC7-2E98-B2B6-989F-520AE51E88F6}"/>
               </a:ext>
             </a:extLst>
           </p:cNvPr>
@@ -712,7 +712,7 @@
           <a:bodyPr/>
           <a:lstStyle/>
           <a:p>
-            <a:fld id="{891E4212-4E87-4B9B-8068-B6997E39F95B}" type="slidenum">
+            <a:fld id="{6EA1DA44-6463-4DBC-9DE4-9BE231C43013}" type="slidenum">
               <a:rPr lang="zh-CN" altLang="en-US" smtClean="0"/>
               <a:t>‹#›</a:t>
             </a:fld>
@@ -723,7 +723,7 @@
     </p:spTree>
     <p:extLst>
       <p:ext uri="{BB962C8B-B14F-4D97-AF65-F5344CB8AC3E}">
-        <p14:creationId xmlns:p14="http://schemas.microsoft.com/office/powerpoint/2010/main" val="4157831939"/>
+        <p14:creationId xmlns:p14="http://schemas.microsoft.com/office/powerpoint/2010/main" val="765671060"/>
       </p:ext>
     </p:extLst>
   </p:cSld>
@@ -755,7 +755,7 @@
           <p:cNvPr id="2" name="标题 1">
             <a:extLst>
               <a:ext uri="{FF2B5EF4-FFF2-40B4-BE49-F238E27FC236}">
-                <a16:creationId xmlns:a16="http://schemas.microsoft.com/office/drawing/2014/main" id="{B58A26D3-3A01-845C-9996-6A5766F2332E}"/>
+                <a16:creationId xmlns:a16="http://schemas.microsoft.com/office/drawing/2014/main" id="{CFD0E94E-75F9-3CD9-0198-2BF3E1A8585E}"/>
               </a:ext>
             </a:extLst>
           </p:cNvPr>
@@ -783,7 +783,7 @@
           <p:cNvPr id="3" name="内容占位符 2">
             <a:extLst>
               <a:ext uri="{FF2B5EF4-FFF2-40B4-BE49-F238E27FC236}">
-                <a16:creationId xmlns:a16="http://schemas.microsoft.com/office/drawing/2014/main" id="{E8F55568-9AA8-EC64-D2B1-8E5361B5A15E}"/>
+                <a16:creationId xmlns:a16="http://schemas.microsoft.com/office/drawing/2014/main" id="{D8288FED-9D5D-0CDE-0CC0-1797D1FE3494}"/>
               </a:ext>
             </a:extLst>
           </p:cNvPr>
@@ -840,7 +840,7 @@
           <p:cNvPr id="4" name="日期占位符 3">
             <a:extLst>
               <a:ext uri="{FF2B5EF4-FFF2-40B4-BE49-F238E27FC236}">
-                <a16:creationId xmlns:a16="http://schemas.microsoft.com/office/drawing/2014/main" id="{C8635260-4EAA-5633-15E6-3D8A6ECE73B6}"/>
+                <a16:creationId xmlns:a16="http://schemas.microsoft.com/office/drawing/2014/main" id="{CEF8256C-AA89-9116-3655-22E07897132F}"/>
               </a:ext>
             </a:extLst>
           </p:cNvPr>
@@ -856,7 +856,7 @@
           <a:bodyPr/>
           <a:lstStyle/>
           <a:p>
-            <a:fld id="{668490AF-3108-467D-9584-002D5DF2C6E3}" type="datetimeFigureOut">
+            <a:fld id="{10909343-B97C-4C00-8C06-CB25D133E7C4}" type="datetimeFigureOut">
               <a:rPr lang="zh-CN" altLang="en-US" smtClean="0"/>
               <a:t>2024/3/10</a:t>
             </a:fld>
@@ -869,7 +869,7 @@
           <p:cNvPr id="5" name="页脚占位符 4">
             <a:extLst>
               <a:ext uri="{FF2B5EF4-FFF2-40B4-BE49-F238E27FC236}">
-                <a16:creationId xmlns:a16="http://schemas.microsoft.com/office/drawing/2014/main" id="{42919A43-068D-E9D9-A817-CEC6C62D117D}"/>
+                <a16:creationId xmlns:a16="http://schemas.microsoft.com/office/drawing/2014/main" id="{35D57E02-107A-66F8-1E28-5D3C001F99C1}"/>
               </a:ext>
             </a:extLst>
           </p:cNvPr>
@@ -894,7 +894,7 @@
           <p:cNvPr id="6" name="灯片编号占位符 5">
             <a:extLst>
               <a:ext uri="{FF2B5EF4-FFF2-40B4-BE49-F238E27FC236}">
-                <a16:creationId xmlns:a16="http://schemas.microsoft.com/office/drawing/2014/main" id="{95E6F9DC-F93E-122C-0C67-9E239A1C89E6}"/>
+                <a16:creationId xmlns:a16="http://schemas.microsoft.com/office/drawing/2014/main" id="{41F2734B-6812-659A-C41F-B7C2F312897B}"/>
               </a:ext>
             </a:extLst>
           </p:cNvPr>
@@ -910,7 +910,7 @@
           <a:bodyPr/>
           <a:lstStyle/>
           <a:p>
-            <a:fld id="{891E4212-4E87-4B9B-8068-B6997E39F95B}" type="slidenum">
+            <a:fld id="{6EA1DA44-6463-4DBC-9DE4-9BE231C43013}" type="slidenum">
               <a:rPr lang="zh-CN" altLang="en-US" smtClean="0"/>
               <a:t>‹#›</a:t>
             </a:fld>
@@ -921,7 +921,7 @@
     </p:spTree>
     <p:extLst>
       <p:ext uri="{BB962C8B-B14F-4D97-AF65-F5344CB8AC3E}">
-        <p14:creationId xmlns:p14="http://schemas.microsoft.com/office/powerpoint/2010/main" val="2300578065"/>
+        <p14:creationId xmlns:p14="http://schemas.microsoft.com/office/powerpoint/2010/main" val="1167241974"/>
       </p:ext>
     </p:extLst>
   </p:cSld>
@@ -953,7 +953,7 @@
           <p:cNvPr id="2" name="标题 1">
             <a:extLst>
               <a:ext uri="{FF2B5EF4-FFF2-40B4-BE49-F238E27FC236}">
-                <a16:creationId xmlns:a16="http://schemas.microsoft.com/office/drawing/2014/main" id="{69BF7EB3-B373-61B6-2F3A-FD3F1085812F}"/>
+                <a16:creationId xmlns:a16="http://schemas.microsoft.com/office/drawing/2014/main" id="{351F0BBB-8EC6-519B-FC37-6486C2F636AB}"/>
               </a:ext>
             </a:extLst>
           </p:cNvPr>
@@ -990,7 +990,7 @@
           <p:cNvPr id="3" name="文本占位符 2">
             <a:extLst>
               <a:ext uri="{FF2B5EF4-FFF2-40B4-BE49-F238E27FC236}">
-                <a16:creationId xmlns:a16="http://schemas.microsoft.com/office/drawing/2014/main" id="{20D6EE71-A63D-430E-AA1A-11D8CC5D869D}"/>
+                <a16:creationId xmlns:a16="http://schemas.microsoft.com/office/drawing/2014/main" id="{975816E1-62BA-8D48-85ED-2986248AC9E4}"/>
               </a:ext>
             </a:extLst>
           </p:cNvPr>
@@ -1115,7 +1115,7 @@
           <p:cNvPr id="4" name="日期占位符 3">
             <a:extLst>
               <a:ext uri="{FF2B5EF4-FFF2-40B4-BE49-F238E27FC236}">
-                <a16:creationId xmlns:a16="http://schemas.microsoft.com/office/drawing/2014/main" id="{7CEEC505-EC8F-9F18-EF69-051174A41E3D}"/>
+                <a16:creationId xmlns:a16="http://schemas.microsoft.com/office/drawing/2014/main" id="{B8C42142-39B8-4EA2-78E9-96312E782D8D}"/>
               </a:ext>
             </a:extLst>
           </p:cNvPr>
@@ -1131,7 +1131,7 @@
           <a:bodyPr/>
           <a:lstStyle/>
           <a:p>
-            <a:fld id="{668490AF-3108-467D-9584-002D5DF2C6E3}" type="datetimeFigureOut">
+            <a:fld id="{10909343-B97C-4C00-8C06-CB25D133E7C4}" type="datetimeFigureOut">
               <a:rPr lang="zh-CN" altLang="en-US" smtClean="0"/>
               <a:t>2024/3/10</a:t>
             </a:fld>
@@ -1144,7 +1144,7 @@
           <p:cNvPr id="5" name="页脚占位符 4">
             <a:extLst>
               <a:ext uri="{FF2B5EF4-FFF2-40B4-BE49-F238E27FC236}">
-                <a16:creationId xmlns:a16="http://schemas.microsoft.com/office/drawing/2014/main" id="{AD629573-09A7-C6EF-0F8F-1A0FBD050D2D}"/>
+                <a16:creationId xmlns:a16="http://schemas.microsoft.com/office/drawing/2014/main" id="{BF61B579-CB97-0E25-8C53-B0BDA39DA402}"/>
               </a:ext>
             </a:extLst>
           </p:cNvPr>
@@ -1169,7 +1169,7 @@
           <p:cNvPr id="6" name="灯片编号占位符 5">
             <a:extLst>
               <a:ext uri="{FF2B5EF4-FFF2-40B4-BE49-F238E27FC236}">
-                <a16:creationId xmlns:a16="http://schemas.microsoft.com/office/drawing/2014/main" id="{E3EAD857-331A-867D-DD62-37885503ABF8}"/>
+                <a16:creationId xmlns:a16="http://schemas.microsoft.com/office/drawing/2014/main" id="{5547D6D9-B515-2129-5660-A83E700DAC16}"/>
               </a:ext>
             </a:extLst>
           </p:cNvPr>
@@ -1185,7 +1185,7 @@
           <a:bodyPr/>
           <a:lstStyle/>
           <a:p>
-            <a:fld id="{891E4212-4E87-4B9B-8068-B6997E39F95B}" type="slidenum">
+            <a:fld id="{6EA1DA44-6463-4DBC-9DE4-9BE231C43013}" type="slidenum">
               <a:rPr lang="zh-CN" altLang="en-US" smtClean="0"/>
               <a:t>‹#›</a:t>
             </a:fld>
@@ -1196,7 +1196,7 @@
     </p:spTree>
     <p:extLst>
       <p:ext uri="{BB962C8B-B14F-4D97-AF65-F5344CB8AC3E}">
-        <p14:creationId xmlns:p14="http://schemas.microsoft.com/office/powerpoint/2010/main" val="3359944080"/>
+        <p14:creationId xmlns:p14="http://schemas.microsoft.com/office/powerpoint/2010/main" val="2931543260"/>
       </p:ext>
     </p:extLst>
   </p:cSld>
@@ -1228,7 +1228,7 @@
           <p:cNvPr id="2" name="标题 1">
             <a:extLst>
               <a:ext uri="{FF2B5EF4-FFF2-40B4-BE49-F238E27FC236}">
-                <a16:creationId xmlns:a16="http://schemas.microsoft.com/office/drawing/2014/main" id="{7F8FB79E-1677-EAAA-012D-83958525CF59}"/>
+                <a16:creationId xmlns:a16="http://schemas.microsoft.com/office/drawing/2014/main" id="{3F08861E-229D-DC58-6686-0C29A83B02EA}"/>
               </a:ext>
             </a:extLst>
           </p:cNvPr>
@@ -1256,7 +1256,7 @@
           <p:cNvPr id="3" name="内容占位符 2">
             <a:extLst>
               <a:ext uri="{FF2B5EF4-FFF2-40B4-BE49-F238E27FC236}">
-                <a16:creationId xmlns:a16="http://schemas.microsoft.com/office/drawing/2014/main" id="{A0626776-9A85-530D-72E1-3DC1D289F5D5}"/>
+                <a16:creationId xmlns:a16="http://schemas.microsoft.com/office/drawing/2014/main" id="{771D9057-9EE6-4D3F-671B-03C73155DC85}"/>
               </a:ext>
             </a:extLst>
           </p:cNvPr>
@@ -1318,7 +1318,7 @@
           <p:cNvPr id="4" name="内容占位符 3">
             <a:extLst>
               <a:ext uri="{FF2B5EF4-FFF2-40B4-BE49-F238E27FC236}">
-                <a16:creationId xmlns:a16="http://schemas.microsoft.com/office/drawing/2014/main" id="{091BDFE6-E456-18A4-ADB9-B5BF89F69314}"/>
+                <a16:creationId xmlns:a16="http://schemas.microsoft.com/office/drawing/2014/main" id="{ADB2512C-FF9A-7836-0023-331A9782F958}"/>
               </a:ext>
             </a:extLst>
           </p:cNvPr>
@@ -1380,7 +1380,7 @@
           <p:cNvPr id="5" name="日期占位符 4">
             <a:extLst>
               <a:ext uri="{FF2B5EF4-FFF2-40B4-BE49-F238E27FC236}">
-                <a16:creationId xmlns:a16="http://schemas.microsoft.com/office/drawing/2014/main" id="{7C7EEC26-CA7C-1066-2CC9-91741134FDE9}"/>
+                <a16:creationId xmlns:a16="http://schemas.microsoft.com/office/drawing/2014/main" id="{F17FCA92-4350-42C9-F185-DF35482D46B5}"/>
               </a:ext>
             </a:extLst>
           </p:cNvPr>
@@ -1396,7 +1396,7 @@
           <a:bodyPr/>
           <a:lstStyle/>
           <a:p>
-            <a:fld id="{668490AF-3108-467D-9584-002D5DF2C6E3}" type="datetimeFigureOut">
+            <a:fld id="{10909343-B97C-4C00-8C06-CB25D133E7C4}" type="datetimeFigureOut">
               <a:rPr lang="zh-CN" altLang="en-US" smtClean="0"/>
               <a:t>2024/3/10</a:t>
             </a:fld>
@@ -1409,7 +1409,7 @@
           <p:cNvPr id="6" name="页脚占位符 5">
             <a:extLst>
               <a:ext uri="{FF2B5EF4-FFF2-40B4-BE49-F238E27FC236}">
-                <a16:creationId xmlns:a16="http://schemas.microsoft.com/office/drawing/2014/main" id="{46690CB8-442C-8B92-12A8-436ED2BA876C}"/>
+                <a16:creationId xmlns:a16="http://schemas.microsoft.com/office/drawing/2014/main" id="{E9E1CACF-BC53-4578-938E-B53EB27FD85C}"/>
               </a:ext>
             </a:extLst>
           </p:cNvPr>
@@ -1434,7 +1434,7 @@
           <p:cNvPr id="7" name="灯片编号占位符 6">
             <a:extLst>
               <a:ext uri="{FF2B5EF4-FFF2-40B4-BE49-F238E27FC236}">
-                <a16:creationId xmlns:a16="http://schemas.microsoft.com/office/drawing/2014/main" id="{11867DE3-2392-F6EC-0A2D-4C66560F43C0}"/>
+                <a16:creationId xmlns:a16="http://schemas.microsoft.com/office/drawing/2014/main" id="{AE8047E3-C04F-0D25-7EBB-9B19E86B4DA5}"/>
               </a:ext>
             </a:extLst>
           </p:cNvPr>
@@ -1450,7 +1450,7 @@
           <a:bodyPr/>
           <a:lstStyle/>
           <a:p>
-            <a:fld id="{891E4212-4E87-4B9B-8068-B6997E39F95B}" type="slidenum">
+            <a:fld id="{6EA1DA44-6463-4DBC-9DE4-9BE231C43013}" type="slidenum">
               <a:rPr lang="zh-CN" altLang="en-US" smtClean="0"/>
               <a:t>‹#›</a:t>
             </a:fld>
@@ -1461,7 +1461,7 @@
     </p:spTree>
     <p:extLst>
       <p:ext uri="{BB962C8B-B14F-4D97-AF65-F5344CB8AC3E}">
-        <p14:creationId xmlns:p14="http://schemas.microsoft.com/office/powerpoint/2010/main" val="3653145105"/>
+        <p14:creationId xmlns:p14="http://schemas.microsoft.com/office/powerpoint/2010/main" val="956486554"/>
       </p:ext>
     </p:extLst>
   </p:cSld>
@@ -1493,7 +1493,7 @@
           <p:cNvPr id="2" name="标题 1">
             <a:extLst>
               <a:ext uri="{FF2B5EF4-FFF2-40B4-BE49-F238E27FC236}">
-                <a16:creationId xmlns:a16="http://schemas.microsoft.com/office/drawing/2014/main" id="{057B54B7-AEFC-A87E-B9FA-23A94620AD60}"/>
+                <a16:creationId xmlns:a16="http://schemas.microsoft.com/office/drawing/2014/main" id="{C268D769-D2EC-F613-CC18-4B7E5EBAE113}"/>
               </a:ext>
             </a:extLst>
           </p:cNvPr>
@@ -1526,7 +1526,7 @@
           <p:cNvPr id="3" name="文本占位符 2">
             <a:extLst>
               <a:ext uri="{FF2B5EF4-FFF2-40B4-BE49-F238E27FC236}">
-                <a16:creationId xmlns:a16="http://schemas.microsoft.com/office/drawing/2014/main" id="{EA08F24F-58EA-3563-2E68-DBDB45E910E8}"/>
+                <a16:creationId xmlns:a16="http://schemas.microsoft.com/office/drawing/2014/main" id="{8D50B11B-27F9-F061-DEF5-701103E2836A}"/>
               </a:ext>
             </a:extLst>
           </p:cNvPr>
@@ -1597,7 +1597,7 @@
           <p:cNvPr id="4" name="内容占位符 3">
             <a:extLst>
               <a:ext uri="{FF2B5EF4-FFF2-40B4-BE49-F238E27FC236}">
-                <a16:creationId xmlns:a16="http://schemas.microsoft.com/office/drawing/2014/main" id="{58AE28B0-94CC-4030-78EC-F3343D73E524}"/>
+                <a16:creationId xmlns:a16="http://schemas.microsoft.com/office/drawing/2014/main" id="{B53F0D87-DBFD-9A68-CB51-18AC5733C912}"/>
               </a:ext>
             </a:extLst>
           </p:cNvPr>
@@ -1659,7 +1659,7 @@
           <p:cNvPr id="5" name="文本占位符 4">
             <a:extLst>
               <a:ext uri="{FF2B5EF4-FFF2-40B4-BE49-F238E27FC236}">
-                <a16:creationId xmlns:a16="http://schemas.microsoft.com/office/drawing/2014/main" id="{6264F421-E59D-4E9C-8A83-32C80D7CE242}"/>
+                <a16:creationId xmlns:a16="http://schemas.microsoft.com/office/drawing/2014/main" id="{BFCC8780-F8F5-B8F2-4D78-4A9C33DDD07F}"/>
               </a:ext>
             </a:extLst>
           </p:cNvPr>
@@ -1730,7 +1730,7 @@
           <p:cNvPr id="6" name="内容占位符 5">
             <a:extLst>
               <a:ext uri="{FF2B5EF4-FFF2-40B4-BE49-F238E27FC236}">
-                <a16:creationId xmlns:a16="http://schemas.microsoft.com/office/drawing/2014/main" id="{5133A9B7-941B-763E-41C7-08AE8D262D76}"/>
+                <a16:creationId xmlns:a16="http://schemas.microsoft.com/office/drawing/2014/main" id="{6F0CF4C3-DA75-20A4-8604-C6086F58FB0D}"/>
               </a:ext>
             </a:extLst>
           </p:cNvPr>
@@ -1792,7 +1792,7 @@
           <p:cNvPr id="7" name="日期占位符 6">
             <a:extLst>
               <a:ext uri="{FF2B5EF4-FFF2-40B4-BE49-F238E27FC236}">
-                <a16:creationId xmlns:a16="http://schemas.microsoft.com/office/drawing/2014/main" id="{62325485-F3BC-D777-10BF-AC3DACC38A09}"/>
+                <a16:creationId xmlns:a16="http://schemas.microsoft.com/office/drawing/2014/main" id="{EE9E83A4-0C30-AD94-B88C-6D61F99C08CF}"/>
               </a:ext>
             </a:extLst>
           </p:cNvPr>
@@ -1808,7 +1808,7 @@
           <a:bodyPr/>
           <a:lstStyle/>
           <a:p>
-            <a:fld id="{668490AF-3108-467D-9584-002D5DF2C6E3}" type="datetimeFigureOut">
+            <a:fld id="{10909343-B97C-4C00-8C06-CB25D133E7C4}" type="datetimeFigureOut">
               <a:rPr lang="zh-CN" altLang="en-US" smtClean="0"/>
               <a:t>2024/3/10</a:t>
             </a:fld>
@@ -1821,7 +1821,7 @@
           <p:cNvPr id="8" name="页脚占位符 7">
             <a:extLst>
               <a:ext uri="{FF2B5EF4-FFF2-40B4-BE49-F238E27FC236}">
-                <a16:creationId xmlns:a16="http://schemas.microsoft.com/office/drawing/2014/main" id="{EF033ACC-9307-E15C-4230-480128ACD8DC}"/>
+                <a16:creationId xmlns:a16="http://schemas.microsoft.com/office/drawing/2014/main" id="{5524364F-C768-CB31-BD1C-35497C963253}"/>
               </a:ext>
             </a:extLst>
           </p:cNvPr>
@@ -1846,7 +1846,7 @@
           <p:cNvPr id="9" name="灯片编号占位符 8">
             <a:extLst>
               <a:ext uri="{FF2B5EF4-FFF2-40B4-BE49-F238E27FC236}">
-                <a16:creationId xmlns:a16="http://schemas.microsoft.com/office/drawing/2014/main" id="{83C1C527-9F01-2558-99E3-0EABD9AEBEE1}"/>
+                <a16:creationId xmlns:a16="http://schemas.microsoft.com/office/drawing/2014/main" id="{DF047278-6CD4-08D0-325C-95E4FF65B1D9}"/>
               </a:ext>
             </a:extLst>
           </p:cNvPr>
@@ -1862,7 +1862,7 @@
           <a:bodyPr/>
           <a:lstStyle/>
           <a:p>
-            <a:fld id="{891E4212-4E87-4B9B-8068-B6997E39F95B}" type="slidenum">
+            <a:fld id="{6EA1DA44-6463-4DBC-9DE4-9BE231C43013}" type="slidenum">
               <a:rPr lang="zh-CN" altLang="en-US" smtClean="0"/>
               <a:t>‹#›</a:t>
             </a:fld>
@@ -1873,7 +1873,7 @@
     </p:spTree>
     <p:extLst>
       <p:ext uri="{BB962C8B-B14F-4D97-AF65-F5344CB8AC3E}">
-        <p14:creationId xmlns:p14="http://schemas.microsoft.com/office/powerpoint/2010/main" val="328933202"/>
+        <p14:creationId xmlns:p14="http://schemas.microsoft.com/office/powerpoint/2010/main" val="1225761021"/>
       </p:ext>
     </p:extLst>
   </p:cSld>
@@ -1905,7 +1905,7 @@
           <p:cNvPr id="2" name="标题 1">
             <a:extLst>
               <a:ext uri="{FF2B5EF4-FFF2-40B4-BE49-F238E27FC236}">
-                <a16:creationId xmlns:a16="http://schemas.microsoft.com/office/drawing/2014/main" id="{9D57BE40-235F-3991-5439-8AB610C94496}"/>
+                <a16:creationId xmlns:a16="http://schemas.microsoft.com/office/drawing/2014/main" id="{220414BC-E727-9A09-9DF0-FE80FC463CA3}"/>
               </a:ext>
             </a:extLst>
           </p:cNvPr>
@@ -1933,7 +1933,7 @@
           <p:cNvPr id="3" name="日期占位符 2">
             <a:extLst>
               <a:ext uri="{FF2B5EF4-FFF2-40B4-BE49-F238E27FC236}">
-                <a16:creationId xmlns:a16="http://schemas.microsoft.com/office/drawing/2014/main" id="{848B4321-E6AD-C4A1-A998-0864DDAB1D6D}"/>
+                <a16:creationId xmlns:a16="http://schemas.microsoft.com/office/drawing/2014/main" id="{3A0CD850-9651-E1DE-70C0-01A375CC2F9B}"/>
               </a:ext>
             </a:extLst>
           </p:cNvPr>
@@ -1949,7 +1949,7 @@
           <a:bodyPr/>
           <a:lstStyle/>
           <a:p>
-            <a:fld id="{668490AF-3108-467D-9584-002D5DF2C6E3}" type="datetimeFigureOut">
+            <a:fld id="{10909343-B97C-4C00-8C06-CB25D133E7C4}" type="datetimeFigureOut">
               <a:rPr lang="zh-CN" altLang="en-US" smtClean="0"/>
               <a:t>2024/3/10</a:t>
             </a:fld>
@@ -1962,7 +1962,7 @@
           <p:cNvPr id="4" name="页脚占位符 3">
             <a:extLst>
               <a:ext uri="{FF2B5EF4-FFF2-40B4-BE49-F238E27FC236}">
-                <a16:creationId xmlns:a16="http://schemas.microsoft.com/office/drawing/2014/main" id="{D5BC8B36-21E7-D7FF-510E-46104CF9E9C5}"/>
+                <a16:creationId xmlns:a16="http://schemas.microsoft.com/office/drawing/2014/main" id="{C50F02BB-D389-DB2B-B284-8D3B16FBEBFE}"/>
               </a:ext>
             </a:extLst>
           </p:cNvPr>
@@ -1987,7 +1987,7 @@
           <p:cNvPr id="5" name="灯片编号占位符 4">
             <a:extLst>
               <a:ext uri="{FF2B5EF4-FFF2-40B4-BE49-F238E27FC236}">
-                <a16:creationId xmlns:a16="http://schemas.microsoft.com/office/drawing/2014/main" id="{B7DA5244-2396-7A62-EEA0-D7CC8F355CED}"/>
+                <a16:creationId xmlns:a16="http://schemas.microsoft.com/office/drawing/2014/main" id="{6F9EA662-70F5-C62F-4B0D-67268C5772F0}"/>
               </a:ext>
             </a:extLst>
           </p:cNvPr>
@@ -2003,7 +2003,7 @@
           <a:bodyPr/>
           <a:lstStyle/>
           <a:p>
-            <a:fld id="{891E4212-4E87-4B9B-8068-B6997E39F95B}" type="slidenum">
+            <a:fld id="{6EA1DA44-6463-4DBC-9DE4-9BE231C43013}" type="slidenum">
               <a:rPr lang="zh-CN" altLang="en-US" smtClean="0"/>
               <a:t>‹#›</a:t>
             </a:fld>
@@ -2014,7 +2014,7 @@
     </p:spTree>
     <p:extLst>
       <p:ext uri="{BB962C8B-B14F-4D97-AF65-F5344CB8AC3E}">
-        <p14:creationId xmlns:p14="http://schemas.microsoft.com/office/powerpoint/2010/main" val="3621430740"/>
+        <p14:creationId xmlns:p14="http://schemas.microsoft.com/office/powerpoint/2010/main" val="242661001"/>
       </p:ext>
     </p:extLst>
   </p:cSld>
@@ -2046,7 +2046,7 @@
           <p:cNvPr id="2" name="日期占位符 1">
             <a:extLst>
               <a:ext uri="{FF2B5EF4-FFF2-40B4-BE49-F238E27FC236}">
-                <a16:creationId xmlns:a16="http://schemas.microsoft.com/office/drawing/2014/main" id="{34F606C0-05D7-3AE5-B3A2-0C10FA143B30}"/>
+                <a16:creationId xmlns:a16="http://schemas.microsoft.com/office/drawing/2014/main" id="{2A304411-E9EC-C09B-6EE8-98BECD1BA468}"/>
               </a:ext>
             </a:extLst>
           </p:cNvPr>
@@ -2062,7 +2062,7 @@
           <a:bodyPr/>
           <a:lstStyle/>
           <a:p>
-            <a:fld id="{668490AF-3108-467D-9584-002D5DF2C6E3}" type="datetimeFigureOut">
+            <a:fld id="{10909343-B97C-4C00-8C06-CB25D133E7C4}" type="datetimeFigureOut">
               <a:rPr lang="zh-CN" altLang="en-US" smtClean="0"/>
               <a:t>2024/3/10</a:t>
             </a:fld>
@@ -2075,7 +2075,7 @@
           <p:cNvPr id="3" name="页脚占位符 2">
             <a:extLst>
               <a:ext uri="{FF2B5EF4-FFF2-40B4-BE49-F238E27FC236}">
-                <a16:creationId xmlns:a16="http://schemas.microsoft.com/office/drawing/2014/main" id="{526BBF93-AEC3-BFA5-B9F1-05A89423EC87}"/>
+                <a16:creationId xmlns:a16="http://schemas.microsoft.com/office/drawing/2014/main" id="{9BEEB1F9-E91D-326E-9B52-9964024D2172}"/>
               </a:ext>
             </a:extLst>
           </p:cNvPr>
@@ -2100,7 +2100,7 @@
           <p:cNvPr id="4" name="灯片编号占位符 3">
             <a:extLst>
               <a:ext uri="{FF2B5EF4-FFF2-40B4-BE49-F238E27FC236}">
-                <a16:creationId xmlns:a16="http://schemas.microsoft.com/office/drawing/2014/main" id="{FABFAE2E-8417-502E-123C-E9A5702E4081}"/>
+                <a16:creationId xmlns:a16="http://schemas.microsoft.com/office/drawing/2014/main" id="{34858B64-8306-B461-5BA6-2F08F31426F6}"/>
               </a:ext>
             </a:extLst>
           </p:cNvPr>
@@ -2116,7 +2116,7 @@
           <a:bodyPr/>
           <a:lstStyle/>
           <a:p>
-            <a:fld id="{891E4212-4E87-4B9B-8068-B6997E39F95B}" type="slidenum">
+            <a:fld id="{6EA1DA44-6463-4DBC-9DE4-9BE231C43013}" type="slidenum">
               <a:rPr lang="zh-CN" altLang="en-US" smtClean="0"/>
               <a:t>‹#›</a:t>
             </a:fld>
@@ -2127,7 +2127,7 @@
     </p:spTree>
     <p:extLst>
       <p:ext uri="{BB962C8B-B14F-4D97-AF65-F5344CB8AC3E}">
-        <p14:creationId xmlns:p14="http://schemas.microsoft.com/office/powerpoint/2010/main" val="180880694"/>
+        <p14:creationId xmlns:p14="http://schemas.microsoft.com/office/powerpoint/2010/main" val="2369843531"/>
       </p:ext>
     </p:extLst>
   </p:cSld>
@@ -2159,7 +2159,7 @@
           <p:cNvPr id="2" name="标题 1">
             <a:extLst>
               <a:ext uri="{FF2B5EF4-FFF2-40B4-BE49-F238E27FC236}">
-                <a16:creationId xmlns:a16="http://schemas.microsoft.com/office/drawing/2014/main" id="{D80F90B2-4C94-015B-819B-1954EA95E241}"/>
+                <a16:creationId xmlns:a16="http://schemas.microsoft.com/office/drawing/2014/main" id="{318FFB4C-BCFB-E803-DB7A-A48FB6CA6AA5}"/>
               </a:ext>
             </a:extLst>
           </p:cNvPr>
@@ -2196,7 +2196,7 @@
           <p:cNvPr id="3" name="内容占位符 2">
             <a:extLst>
               <a:ext uri="{FF2B5EF4-FFF2-40B4-BE49-F238E27FC236}">
-                <a16:creationId xmlns:a16="http://schemas.microsoft.com/office/drawing/2014/main" id="{3BA42A61-1886-9F71-C25D-3DAF20BE660A}"/>
+                <a16:creationId xmlns:a16="http://schemas.microsoft.com/office/drawing/2014/main" id="{30DFB86A-3624-E8B6-A63C-FDA0CD92EA32}"/>
               </a:ext>
             </a:extLst>
           </p:cNvPr>
@@ -2286,7 +2286,7 @@
           <p:cNvPr id="4" name="文本占位符 3">
             <a:extLst>
               <a:ext uri="{FF2B5EF4-FFF2-40B4-BE49-F238E27FC236}">
-                <a16:creationId xmlns:a16="http://schemas.microsoft.com/office/drawing/2014/main" id="{C90A5290-ADC2-EFAE-C811-EA15E62E0C3D}"/>
+                <a16:creationId xmlns:a16="http://schemas.microsoft.com/office/drawing/2014/main" id="{E2DC10CD-9935-1A58-3829-85CAAFD798BE}"/>
               </a:ext>
             </a:extLst>
           </p:cNvPr>
@@ -2357,7 +2357,7 @@
           <p:cNvPr id="5" name="日期占位符 4">
             <a:extLst>
               <a:ext uri="{FF2B5EF4-FFF2-40B4-BE49-F238E27FC236}">
-                <a16:creationId xmlns:a16="http://schemas.microsoft.com/office/drawing/2014/main" id="{9B22FD39-EAB7-1039-BF99-517632D4DB00}"/>
+                <a16:creationId xmlns:a16="http://schemas.microsoft.com/office/drawing/2014/main" id="{14569A29-6EC1-F86D-FF85-4C50416EB880}"/>
               </a:ext>
             </a:extLst>
           </p:cNvPr>
@@ -2373,7 +2373,7 @@
           <a:bodyPr/>
           <a:lstStyle/>
           <a:p>
-            <a:fld id="{668490AF-3108-467D-9584-002D5DF2C6E3}" type="datetimeFigureOut">
+            <a:fld id="{10909343-B97C-4C00-8C06-CB25D133E7C4}" type="datetimeFigureOut">
               <a:rPr lang="zh-CN" altLang="en-US" smtClean="0"/>
               <a:t>2024/3/10</a:t>
             </a:fld>
@@ -2386,7 +2386,7 @@
           <p:cNvPr id="6" name="页脚占位符 5">
             <a:extLst>
               <a:ext uri="{FF2B5EF4-FFF2-40B4-BE49-F238E27FC236}">
-                <a16:creationId xmlns:a16="http://schemas.microsoft.com/office/drawing/2014/main" id="{6DB3F0AF-95A1-6265-1675-0C6110525A90}"/>
+                <a16:creationId xmlns:a16="http://schemas.microsoft.com/office/drawing/2014/main" id="{8E9E64C8-F622-8D60-B885-5FD252D537AA}"/>
               </a:ext>
             </a:extLst>
           </p:cNvPr>
@@ -2411,7 +2411,7 @@
           <p:cNvPr id="7" name="灯片编号占位符 6">
             <a:extLst>
               <a:ext uri="{FF2B5EF4-FFF2-40B4-BE49-F238E27FC236}">
-                <a16:creationId xmlns:a16="http://schemas.microsoft.com/office/drawing/2014/main" id="{9244EEE0-06CF-D159-FA8F-149F7C5A67E2}"/>
+                <a16:creationId xmlns:a16="http://schemas.microsoft.com/office/drawing/2014/main" id="{15676B53-150C-0ACC-CAA2-1C080F57C1C0}"/>
               </a:ext>
             </a:extLst>
           </p:cNvPr>
@@ -2427,7 +2427,7 @@
           <a:bodyPr/>
           <a:lstStyle/>
           <a:p>
-            <a:fld id="{891E4212-4E87-4B9B-8068-B6997E39F95B}" type="slidenum">
+            <a:fld id="{6EA1DA44-6463-4DBC-9DE4-9BE231C43013}" type="slidenum">
               <a:rPr lang="zh-CN" altLang="en-US" smtClean="0"/>
               <a:t>‹#›</a:t>
             </a:fld>
@@ -2438,7 +2438,7 @@
     </p:spTree>
     <p:extLst>
       <p:ext uri="{BB962C8B-B14F-4D97-AF65-F5344CB8AC3E}">
-        <p14:creationId xmlns:p14="http://schemas.microsoft.com/office/powerpoint/2010/main" val="180736348"/>
+        <p14:creationId xmlns:p14="http://schemas.microsoft.com/office/powerpoint/2010/main" val="3679373115"/>
       </p:ext>
     </p:extLst>
   </p:cSld>
@@ -2470,7 +2470,7 @@
           <p:cNvPr id="2" name="标题 1">
             <a:extLst>
               <a:ext uri="{FF2B5EF4-FFF2-40B4-BE49-F238E27FC236}">
-                <a16:creationId xmlns:a16="http://schemas.microsoft.com/office/drawing/2014/main" id="{E86A6CCD-6923-FAA7-80FE-D1E5A3DCA0DB}"/>
+                <a16:creationId xmlns:a16="http://schemas.microsoft.com/office/drawing/2014/main" id="{EA9F14E3-6F15-B3CD-4166-E187398FAE5C}"/>
               </a:ext>
             </a:extLst>
           </p:cNvPr>
@@ -2507,7 +2507,7 @@
           <p:cNvPr id="3" name="图片占位符 2">
             <a:extLst>
               <a:ext uri="{FF2B5EF4-FFF2-40B4-BE49-F238E27FC236}">
-                <a16:creationId xmlns:a16="http://schemas.microsoft.com/office/drawing/2014/main" id="{6AFAA5D0-71E5-08EE-F557-64259A9F7057}"/>
+                <a16:creationId xmlns:a16="http://schemas.microsoft.com/office/drawing/2014/main" id="{775E87B0-12A7-28AB-4270-DC341305A26C}"/>
               </a:ext>
             </a:extLst>
           </p:cNvPr>
@@ -2574,7 +2574,7 @@
           <p:cNvPr id="4" name="文本占位符 3">
             <a:extLst>
               <a:ext uri="{FF2B5EF4-FFF2-40B4-BE49-F238E27FC236}">
-                <a16:creationId xmlns:a16="http://schemas.microsoft.com/office/drawing/2014/main" id="{F79EE009-2AA7-C279-1ECD-098DE31A8CBF}"/>
+                <a16:creationId xmlns:a16="http://schemas.microsoft.com/office/drawing/2014/main" id="{3E8703C0-7271-8AF6-0D59-2975D0AB1ACB}"/>
               </a:ext>
             </a:extLst>
           </p:cNvPr>
@@ -2645,7 +2645,7 @@
           <p:cNvPr id="5" name="日期占位符 4">
             <a:extLst>
               <a:ext uri="{FF2B5EF4-FFF2-40B4-BE49-F238E27FC236}">
-                <a16:creationId xmlns:a16="http://schemas.microsoft.com/office/drawing/2014/main" id="{184EDDF9-9896-3F66-45F2-A1F7256EFAE2}"/>
+                <a16:creationId xmlns:a16="http://schemas.microsoft.com/office/drawing/2014/main" id="{EF90A69D-8F4E-990A-A85B-E8BA95BDDA32}"/>
               </a:ext>
             </a:extLst>
           </p:cNvPr>
@@ -2661,7 +2661,7 @@
           <a:bodyPr/>
           <a:lstStyle/>
           <a:p>
-            <a:fld id="{668490AF-3108-467D-9584-002D5DF2C6E3}" type="datetimeFigureOut">
+            <a:fld id="{10909343-B97C-4C00-8C06-CB25D133E7C4}" type="datetimeFigureOut">
               <a:rPr lang="zh-CN" altLang="en-US" smtClean="0"/>
               <a:t>2024/3/10</a:t>
             </a:fld>
@@ -2674,7 +2674,7 @@
           <p:cNvPr id="6" name="页脚占位符 5">
             <a:extLst>
               <a:ext uri="{FF2B5EF4-FFF2-40B4-BE49-F238E27FC236}">
-                <a16:creationId xmlns:a16="http://schemas.microsoft.com/office/drawing/2014/main" id="{0E0B9EBB-BD25-3660-030D-1EBFF37A1BFB}"/>
+                <a16:creationId xmlns:a16="http://schemas.microsoft.com/office/drawing/2014/main" id="{B25DBDC1-0B15-9A8E-6EDC-DC2D41CFC849}"/>
               </a:ext>
             </a:extLst>
           </p:cNvPr>
@@ -2699,7 +2699,7 @@
           <p:cNvPr id="7" name="灯片编号占位符 6">
             <a:extLst>
               <a:ext uri="{FF2B5EF4-FFF2-40B4-BE49-F238E27FC236}">
-                <a16:creationId xmlns:a16="http://schemas.microsoft.com/office/drawing/2014/main" id="{8E2AAA1A-BF15-C75B-CA18-BD03A7156F7C}"/>
+                <a16:creationId xmlns:a16="http://schemas.microsoft.com/office/drawing/2014/main" id="{D6B048C9-AD0F-8B8B-7650-7827AC23C870}"/>
               </a:ext>
             </a:extLst>
           </p:cNvPr>
@@ -2715,7 +2715,7 @@
           <a:bodyPr/>
           <a:lstStyle/>
           <a:p>
-            <a:fld id="{891E4212-4E87-4B9B-8068-B6997E39F95B}" type="slidenum">
+            <a:fld id="{6EA1DA44-6463-4DBC-9DE4-9BE231C43013}" type="slidenum">
               <a:rPr lang="zh-CN" altLang="en-US" smtClean="0"/>
               <a:t>‹#›</a:t>
             </a:fld>
@@ -2726,7 +2726,7 @@
     </p:spTree>
     <p:extLst>
       <p:ext uri="{BB962C8B-B14F-4D97-AF65-F5344CB8AC3E}">
-        <p14:creationId xmlns:p14="http://schemas.microsoft.com/office/powerpoint/2010/main" val="534068687"/>
+        <p14:creationId xmlns:p14="http://schemas.microsoft.com/office/powerpoint/2010/main" val="612470622"/>
       </p:ext>
     </p:extLst>
   </p:cSld>
@@ -2763,7 +2763,7 @@
           <p:cNvPr id="2" name="标题占位符 1">
             <a:extLst>
               <a:ext uri="{FF2B5EF4-FFF2-40B4-BE49-F238E27FC236}">
-                <a16:creationId xmlns:a16="http://schemas.microsoft.com/office/drawing/2014/main" id="{6AAB6FD1-594B-04C0-29B9-34603491C317}"/>
+                <a16:creationId xmlns:a16="http://schemas.microsoft.com/office/drawing/2014/main" id="{F16B72BC-6C65-3489-F2A2-64B5D19B7572}"/>
               </a:ext>
             </a:extLst>
           </p:cNvPr>
@@ -2801,7 +2801,7 @@
           <p:cNvPr id="3" name="文本占位符 2">
             <a:extLst>
               <a:ext uri="{FF2B5EF4-FFF2-40B4-BE49-F238E27FC236}">
-                <a16:creationId xmlns:a16="http://schemas.microsoft.com/office/drawing/2014/main" id="{AD418617-0F10-BED3-2205-EB93B7F2227C}"/>
+                <a16:creationId xmlns:a16="http://schemas.microsoft.com/office/drawing/2014/main" id="{C1643659-FDBF-456A-D0DA-FBD6FF105EC6}"/>
               </a:ext>
             </a:extLst>
           </p:cNvPr>
@@ -2868,7 +2868,7 @@
           <p:cNvPr id="4" name="日期占位符 3">
             <a:extLst>
               <a:ext uri="{FF2B5EF4-FFF2-40B4-BE49-F238E27FC236}">
-                <a16:creationId xmlns:a16="http://schemas.microsoft.com/office/drawing/2014/main" id="{E5510F4C-09DF-1FA7-61E4-8C26FC300D5E}"/>
+                <a16:creationId xmlns:a16="http://schemas.microsoft.com/office/drawing/2014/main" id="{7A891758-A795-81E0-74B7-B66C8B1E6C13}"/>
               </a:ext>
             </a:extLst>
           </p:cNvPr>
@@ -2902,7 +2902,7 @@
             </a:lvl1pPr>
           </a:lstStyle>
           <a:p>
-            <a:fld id="{668490AF-3108-467D-9584-002D5DF2C6E3}" type="datetimeFigureOut">
+            <a:fld id="{10909343-B97C-4C00-8C06-CB25D133E7C4}" type="datetimeFigureOut">
               <a:rPr lang="zh-CN" altLang="en-US" smtClean="0"/>
               <a:t>2024/3/10</a:t>
             </a:fld>
@@ -2915,7 +2915,7 @@
           <p:cNvPr id="5" name="页脚占位符 4">
             <a:extLst>
               <a:ext uri="{FF2B5EF4-FFF2-40B4-BE49-F238E27FC236}">
-                <a16:creationId xmlns:a16="http://schemas.microsoft.com/office/drawing/2014/main" id="{949C1E4A-7BA1-A04B-DCA7-9C3BFF40A053}"/>
+                <a16:creationId xmlns:a16="http://schemas.microsoft.com/office/drawing/2014/main" id="{EE2743AE-0A53-BA41-DCBB-CEF706BEC94A}"/>
               </a:ext>
             </a:extLst>
           </p:cNvPr>
@@ -2958,7 +2958,7 @@
           <p:cNvPr id="6" name="灯片编号占位符 5">
             <a:extLst>
               <a:ext uri="{FF2B5EF4-FFF2-40B4-BE49-F238E27FC236}">
-                <a16:creationId xmlns:a16="http://schemas.microsoft.com/office/drawing/2014/main" id="{8BE3E7EC-2B1C-A90D-5696-6681F2A06702}"/>
+                <a16:creationId xmlns:a16="http://schemas.microsoft.com/office/drawing/2014/main" id="{605A1780-7EFB-514A-146C-4C6F9BCBAF05}"/>
               </a:ext>
             </a:extLst>
           </p:cNvPr>
@@ -2992,7 +2992,7 @@
             </a:lvl1pPr>
           </a:lstStyle>
           <a:p>
-            <a:fld id="{891E4212-4E87-4B9B-8068-B6997E39F95B}" type="slidenum">
+            <a:fld id="{6EA1DA44-6463-4DBC-9DE4-9BE231C43013}" type="slidenum">
               <a:rPr lang="zh-CN" altLang="en-US" smtClean="0"/>
               <a:t>‹#›</a:t>
             </a:fld>
@@ -3003,7 +3003,7 @@
     </p:spTree>
     <p:extLst>
       <p:ext uri="{BB962C8B-B14F-4D97-AF65-F5344CB8AC3E}">
-        <p14:creationId xmlns:p14="http://schemas.microsoft.com/office/powerpoint/2010/main" val="3412967870"/>
+        <p14:creationId xmlns:p14="http://schemas.microsoft.com/office/powerpoint/2010/main" val="1840259442"/>
       </p:ext>
     </p:extLst>
   </p:cSld>
